--- a/docs/spisok2012-slides.pptx
+++ b/docs/spisok2012-slides.pptx
@@ -7,11 +7,16 @@
   <p:sldIdLst>
     <p:sldId id="256" r:id="rId2"/>
     <p:sldId id="257" r:id="rId3"/>
-    <p:sldId id="258" r:id="rId4"/>
-    <p:sldId id="259" r:id="rId5"/>
-    <p:sldId id="260" r:id="rId6"/>
-    <p:sldId id="261" r:id="rId7"/>
-    <p:sldId id="262" r:id="rId8"/>
+    <p:sldId id="264" r:id="rId4"/>
+    <p:sldId id="258" r:id="rId5"/>
+    <p:sldId id="259" r:id="rId6"/>
+    <p:sldId id="263" r:id="rId7"/>
+    <p:sldId id="265" r:id="rId8"/>
+    <p:sldId id="267" r:id="rId9"/>
+    <p:sldId id="260" r:id="rId10"/>
+    <p:sldId id="268" r:id="rId11"/>
+    <p:sldId id="261" r:id="rId12"/>
+    <p:sldId id="262" r:id="rId13"/>
   </p:sldIdLst>
   <p:sldSz cx="9144000" cy="6858000" type="screen4x3"/>
   <p:notesSz cx="6858000" cy="9144000"/>
@@ -294,6 +299,7 @@
           <a:p>
             <a:fld id="{C561F99B-DEDC-4780-99C9-30424E62093C}" type="datetimeFigureOut">
               <a:rPr lang="en-US" smtClean="0"/>
+              <a:pPr/>
               <a:t>4/25/2012</a:t>
             </a:fld>
             <a:endParaRPr lang="en-US"/>
@@ -336,6 +342,7 @@
           <a:p>
             <a:fld id="{123EEE86-B2D9-4837-8658-BD5AF372F033}" type="slidenum">
               <a:rPr lang="en-US" smtClean="0"/>
+              <a:pPr/>
               <a:t>‹#›</a:t>
             </a:fld>
             <a:endParaRPr lang="en-US"/>
@@ -459,6 +466,7 @@
           <a:p>
             <a:fld id="{C561F99B-DEDC-4780-99C9-30424E62093C}" type="datetimeFigureOut">
               <a:rPr lang="en-US" smtClean="0"/>
+              <a:pPr/>
               <a:t>4/25/2012</a:t>
             </a:fld>
             <a:endParaRPr lang="en-US"/>
@@ -501,6 +509,7 @@
           <a:p>
             <a:fld id="{123EEE86-B2D9-4837-8658-BD5AF372F033}" type="slidenum">
               <a:rPr lang="en-US" smtClean="0"/>
+              <a:pPr/>
               <a:t>‹#›</a:t>
             </a:fld>
             <a:endParaRPr lang="en-US"/>
@@ -634,6 +643,7 @@
           <a:p>
             <a:fld id="{C561F99B-DEDC-4780-99C9-30424E62093C}" type="datetimeFigureOut">
               <a:rPr lang="en-US" smtClean="0"/>
+              <a:pPr/>
               <a:t>4/25/2012</a:t>
             </a:fld>
             <a:endParaRPr lang="en-US"/>
@@ -676,6 +686,7 @@
           <a:p>
             <a:fld id="{123EEE86-B2D9-4837-8658-BD5AF372F033}" type="slidenum">
               <a:rPr lang="en-US" smtClean="0"/>
+              <a:pPr/>
               <a:t>‹#›</a:t>
             </a:fld>
             <a:endParaRPr lang="en-US"/>
@@ -799,6 +810,7 @@
           <a:p>
             <a:fld id="{C561F99B-DEDC-4780-99C9-30424E62093C}" type="datetimeFigureOut">
               <a:rPr lang="en-US" smtClean="0"/>
+              <a:pPr/>
               <a:t>4/25/2012</a:t>
             </a:fld>
             <a:endParaRPr lang="en-US"/>
@@ -841,6 +853,7 @@
           <a:p>
             <a:fld id="{123EEE86-B2D9-4837-8658-BD5AF372F033}" type="slidenum">
               <a:rPr lang="en-US" smtClean="0"/>
+              <a:pPr/>
               <a:t>‹#›</a:t>
             </a:fld>
             <a:endParaRPr lang="en-US"/>
@@ -1040,6 +1053,7 @@
           <a:p>
             <a:fld id="{C561F99B-DEDC-4780-99C9-30424E62093C}" type="datetimeFigureOut">
               <a:rPr lang="en-US" smtClean="0"/>
+              <a:pPr/>
               <a:t>4/25/2012</a:t>
             </a:fld>
             <a:endParaRPr lang="en-US"/>
@@ -1082,6 +1096,7 @@
           <a:p>
             <a:fld id="{123EEE86-B2D9-4837-8658-BD5AF372F033}" type="slidenum">
               <a:rPr lang="en-US" smtClean="0"/>
+              <a:pPr/>
               <a:t>‹#›</a:t>
             </a:fld>
             <a:endParaRPr lang="en-US"/>
@@ -1323,6 +1338,7 @@
           <a:p>
             <a:fld id="{C561F99B-DEDC-4780-99C9-30424E62093C}" type="datetimeFigureOut">
               <a:rPr lang="en-US" smtClean="0"/>
+              <a:pPr/>
               <a:t>4/25/2012</a:t>
             </a:fld>
             <a:endParaRPr lang="en-US"/>
@@ -1365,6 +1381,7 @@
           <a:p>
             <a:fld id="{123EEE86-B2D9-4837-8658-BD5AF372F033}" type="slidenum">
               <a:rPr lang="en-US" smtClean="0"/>
+              <a:pPr/>
               <a:t>‹#›</a:t>
             </a:fld>
             <a:endParaRPr lang="en-US"/>
@@ -1740,6 +1757,7 @@
           <a:p>
             <a:fld id="{C561F99B-DEDC-4780-99C9-30424E62093C}" type="datetimeFigureOut">
               <a:rPr lang="en-US" smtClean="0"/>
+              <a:pPr/>
               <a:t>4/25/2012</a:t>
             </a:fld>
             <a:endParaRPr lang="en-US"/>
@@ -1782,6 +1800,7 @@
           <a:p>
             <a:fld id="{123EEE86-B2D9-4837-8658-BD5AF372F033}" type="slidenum">
               <a:rPr lang="en-US" smtClean="0"/>
+              <a:pPr/>
               <a:t>‹#›</a:t>
             </a:fld>
             <a:endParaRPr lang="en-US"/>
@@ -1853,6 +1872,7 @@
           <a:p>
             <a:fld id="{C561F99B-DEDC-4780-99C9-30424E62093C}" type="datetimeFigureOut">
               <a:rPr lang="en-US" smtClean="0"/>
+              <a:pPr/>
               <a:t>4/25/2012</a:t>
             </a:fld>
             <a:endParaRPr lang="en-US"/>
@@ -1895,6 +1915,7 @@
           <a:p>
             <a:fld id="{123EEE86-B2D9-4837-8658-BD5AF372F033}" type="slidenum">
               <a:rPr lang="en-US" smtClean="0"/>
+              <a:pPr/>
               <a:t>‹#›</a:t>
             </a:fld>
             <a:endParaRPr lang="en-US"/>
@@ -1943,6 +1964,7 @@
           <a:p>
             <a:fld id="{C561F99B-DEDC-4780-99C9-30424E62093C}" type="datetimeFigureOut">
               <a:rPr lang="en-US" smtClean="0"/>
+              <a:pPr/>
               <a:t>4/25/2012</a:t>
             </a:fld>
             <a:endParaRPr lang="en-US"/>
@@ -1985,6 +2007,7 @@
           <a:p>
             <a:fld id="{123EEE86-B2D9-4837-8658-BD5AF372F033}" type="slidenum">
               <a:rPr lang="en-US" smtClean="0"/>
+              <a:pPr/>
               <a:t>‹#›</a:t>
             </a:fld>
             <a:endParaRPr lang="en-US"/>
@@ -2215,6 +2238,7 @@
           <a:p>
             <a:fld id="{C561F99B-DEDC-4780-99C9-30424E62093C}" type="datetimeFigureOut">
               <a:rPr lang="en-US" smtClean="0"/>
+              <a:pPr/>
               <a:t>4/25/2012</a:t>
             </a:fld>
             <a:endParaRPr lang="en-US"/>
@@ -2257,6 +2281,7 @@
           <a:p>
             <a:fld id="{123EEE86-B2D9-4837-8658-BD5AF372F033}" type="slidenum">
               <a:rPr lang="en-US" smtClean="0"/>
+              <a:pPr/>
               <a:t>‹#›</a:t>
             </a:fld>
             <a:endParaRPr lang="en-US"/>
@@ -2463,6 +2488,7 @@
           <a:p>
             <a:fld id="{C561F99B-DEDC-4780-99C9-30424E62093C}" type="datetimeFigureOut">
               <a:rPr lang="en-US" smtClean="0"/>
+              <a:pPr/>
               <a:t>4/25/2012</a:t>
             </a:fld>
             <a:endParaRPr lang="en-US"/>
@@ -2505,6 +2531,7 @@
           <a:p>
             <a:fld id="{123EEE86-B2D9-4837-8658-BD5AF372F033}" type="slidenum">
               <a:rPr lang="en-US" smtClean="0"/>
+              <a:pPr/>
               <a:t>‹#›</a:t>
             </a:fld>
             <a:endParaRPr lang="en-US"/>
@@ -2671,6 +2698,7 @@
           <a:p>
             <a:fld id="{C561F99B-DEDC-4780-99C9-30424E62093C}" type="datetimeFigureOut">
               <a:rPr lang="en-US" smtClean="0"/>
+              <a:pPr/>
               <a:t>4/25/2012</a:t>
             </a:fld>
             <a:endParaRPr lang="en-US"/>
@@ -2749,6 +2777,7 @@
           <a:p>
             <a:fld id="{123EEE86-B2D9-4837-8658-BD5AF372F033}" type="slidenum">
               <a:rPr lang="en-US" smtClean="0"/>
+              <a:pPr/>
               <a:t>‹#›</a:t>
             </a:fld>
             <a:endParaRPr lang="en-US"/>
@@ -3169,7 +3198,19 @@
           <a:p>
             <a:r>
               <a:rPr lang="ru-RU" b="1" dirty="0" smtClean="0"/>
-              <a:t>Научный руковидитель</a:t>
+              <a:t>Научный </a:t>
+            </a:r>
+            <a:r>
+              <a:rPr lang="ru-RU" b="1" dirty="0" smtClean="0"/>
+              <a:t>руков</a:t>
+            </a:r>
+            <a:r>
+              <a:rPr lang="ru-RU" b="1" dirty="0" smtClean="0"/>
+              <a:t>о</a:t>
+            </a:r>
+            <a:r>
+              <a:rPr lang="ru-RU" b="1" dirty="0" smtClean="0"/>
+              <a:t>дитель</a:t>
             </a:r>
             <a:r>
               <a:rPr lang="en-US" b="1" dirty="0" smtClean="0"/>
@@ -3185,6 +3226,384 @@
               <a:rPr lang="ru-RU" dirty="0" smtClean="0"/>
               <a:t>Доцент, математико-механический факультет, СПбГУ</a:t>
             </a:r>
+            <a:endParaRPr lang="en-US" dirty="0"/>
+          </a:p>
+        </p:txBody>
+      </p:sp>
+    </p:spTree>
+  </p:cSld>
+  <p:clrMapOvr>
+    <a:masterClrMapping/>
+  </p:clrMapOvr>
+  <p:timing>
+    <p:tnLst>
+      <p:par>
+        <p:cTn id="1" dur="indefinite" restart="never" nodeType="tmRoot"/>
+      </p:par>
+    </p:tnLst>
+  </p:timing>
+</p:sld>
+</file>
+
+<file path=ppt/slides/slide10.xml><?xml version="1.0" encoding="utf-8"?>
+<p:sld xmlns:a="http://schemas.openxmlformats.org/drawingml/2006/main" xmlns:r="http://schemas.openxmlformats.org/officeDocument/2006/relationships" xmlns:p="http://schemas.openxmlformats.org/presentationml/2006/main">
+  <p:cSld>
+    <p:spTree>
+      <p:nvGrpSpPr>
+        <p:cNvPr id="1" name=""/>
+        <p:cNvGrpSpPr/>
+        <p:nvPr/>
+      </p:nvGrpSpPr>
+      <p:grpSpPr>
+        <a:xfrm>
+          <a:off x="0" y="0"/>
+          <a:ext cx="0" cy="0"/>
+          <a:chOff x="0" y="0"/>
+          <a:chExt cx="0" cy="0"/>
+        </a:xfrm>
+      </p:grpSpPr>
+      <p:sp>
+        <p:nvSpPr>
+          <p:cNvPr id="2" name="Title 1"/>
+          <p:cNvSpPr>
+            <a:spLocks noGrp="1"/>
+          </p:cNvSpPr>
+          <p:nvPr>
+            <p:ph type="title"/>
+          </p:nvPr>
+        </p:nvSpPr>
+        <p:spPr/>
+        <p:txBody>
+          <a:bodyPr/>
+          <a:lstStyle/>
+          <a:p>
+            <a:r>
+              <a:rPr lang="ru-RU" dirty="0" smtClean="0"/>
+              <a:t>Текущие результаты (2)</a:t>
+            </a:r>
+            <a:endParaRPr lang="en-US" dirty="0"/>
+          </a:p>
+        </p:txBody>
+      </p:sp>
+      <p:sp>
+        <p:nvSpPr>
+          <p:cNvPr id="3" name="Content Placeholder 2"/>
+          <p:cNvSpPr>
+            <a:spLocks noGrp="1"/>
+          </p:cNvSpPr>
+          <p:nvPr>
+            <p:ph idx="1"/>
+          </p:nvPr>
+        </p:nvSpPr>
+        <p:spPr/>
+        <p:txBody>
+          <a:bodyPr>
+            <a:normAutofit lnSpcReduction="10000"/>
+          </a:bodyPr>
+          <a:lstStyle/>
+          <a:p>
+            <a:r>
+              <a:rPr lang="ru-RU" dirty="0" smtClean="0"/>
+              <a:t>Наивный алгоритм</a:t>
+            </a:r>
+          </a:p>
+          <a:p>
+            <a:pPr lvl="1"/>
+            <a:r>
+              <a:rPr lang="ru-RU" dirty="0" smtClean="0"/>
+              <a:t>Подсчитана статистика по всем словам насколько часто они ведут на страницу принадлежащую (прямо или косвенно) категории программирование</a:t>
+            </a:r>
+          </a:p>
+          <a:p>
+            <a:pPr lvl="1"/>
+            <a:r>
+              <a:rPr lang="en-US" dirty="0" smtClean="0"/>
+              <a:t>rank(word) = count(word) / count(all words in anchors)</a:t>
+            </a:r>
+          </a:p>
+          <a:p>
+            <a:pPr lvl="1"/>
+            <a:r>
+              <a:rPr lang="en-US" dirty="0" smtClean="0"/>
+              <a:t>rank(message) = sum of rank(words)</a:t>
+            </a:r>
+          </a:p>
+          <a:p>
+            <a:pPr lvl="1"/>
+            <a:r>
+              <a:rPr lang="en-US" dirty="0" smtClean="0"/>
+              <a:t>rank(user) = sum of rank(message) / count of messages.</a:t>
+            </a:r>
+            <a:endParaRPr lang="en-US" dirty="0"/>
+          </a:p>
+        </p:txBody>
+      </p:sp>
+    </p:spTree>
+  </p:cSld>
+  <p:clrMapOvr>
+    <a:masterClrMapping/>
+  </p:clrMapOvr>
+</p:sld>
+</file>
+
+<file path=ppt/slides/slide11.xml><?xml version="1.0" encoding="utf-8"?>
+<p:sld xmlns:a="http://schemas.openxmlformats.org/drawingml/2006/main" xmlns:r="http://schemas.openxmlformats.org/officeDocument/2006/relationships" xmlns:p="http://schemas.openxmlformats.org/presentationml/2006/main">
+  <p:cSld>
+    <p:spTree>
+      <p:nvGrpSpPr>
+        <p:cNvPr id="1" name=""/>
+        <p:cNvGrpSpPr/>
+        <p:nvPr/>
+      </p:nvGrpSpPr>
+      <p:grpSpPr>
+        <a:xfrm>
+          <a:off x="0" y="0"/>
+          <a:ext cx="0" cy="0"/>
+          <a:chOff x="0" y="0"/>
+          <a:chExt cx="0" cy="0"/>
+        </a:xfrm>
+      </p:grpSpPr>
+      <p:sp>
+        <p:nvSpPr>
+          <p:cNvPr id="2" name="Title 1"/>
+          <p:cNvSpPr>
+            <a:spLocks noGrp="1"/>
+          </p:cNvSpPr>
+          <p:nvPr>
+            <p:ph type="title"/>
+          </p:nvPr>
+        </p:nvSpPr>
+        <p:spPr/>
+        <p:txBody>
+          <a:bodyPr/>
+          <a:lstStyle/>
+          <a:p>
+            <a:r>
+              <a:rPr lang="ru-RU" dirty="0" smtClean="0"/>
+              <a:t>Текущие результаты (</a:t>
+            </a:r>
+            <a:r>
+              <a:rPr lang="en-US" dirty="0" smtClean="0"/>
+              <a:t>3</a:t>
+            </a:r>
+            <a:r>
+              <a:rPr lang="ru-RU" dirty="0" smtClean="0"/>
+              <a:t>)</a:t>
+            </a:r>
+            <a:endParaRPr lang="en-US" dirty="0"/>
+          </a:p>
+        </p:txBody>
+      </p:sp>
+      <p:sp>
+        <p:nvSpPr>
+          <p:cNvPr id="3" name="Content Placeholder 2"/>
+          <p:cNvSpPr>
+            <a:spLocks noGrp="1"/>
+          </p:cNvSpPr>
+          <p:nvPr>
+            <p:ph idx="1"/>
+          </p:nvPr>
+        </p:nvSpPr>
+        <p:spPr/>
+        <p:txBody>
+          <a:bodyPr>
+            <a:normAutofit/>
+          </a:bodyPr>
+          <a:lstStyle/>
+          <a:p>
+            <a:r>
+              <a:rPr lang="ru-RU" dirty="0" smtClean="0"/>
+              <a:t>Программисты</a:t>
+            </a:r>
+          </a:p>
+          <a:p>
+            <a:pPr lvl="1"/>
+            <a:r>
+              <a:rPr lang="en-US" dirty="0" err="1" smtClean="0"/>
+              <a:t>sstephenson</a:t>
+            </a:r>
+            <a:r>
+              <a:rPr lang="en-US" dirty="0"/>
+              <a:t>: </a:t>
+            </a:r>
+            <a:r>
+              <a:rPr lang="en-US" dirty="0" smtClean="0"/>
+              <a:t>16.15</a:t>
+            </a:r>
+            <a:endParaRPr lang="ru-RU" dirty="0" smtClean="0"/>
+          </a:p>
+          <a:p>
+            <a:pPr lvl="1"/>
+            <a:r>
+              <a:rPr lang="en-US" dirty="0" err="1"/>
+              <a:t>joehewitt</a:t>
+            </a:r>
+            <a:r>
+              <a:rPr lang="en-US" dirty="0"/>
+              <a:t>: </a:t>
+            </a:r>
+            <a:r>
+              <a:rPr lang="en-US" dirty="0" smtClean="0"/>
+              <a:t>2.05</a:t>
+            </a:r>
+            <a:endParaRPr lang="ru-RU" dirty="0" smtClean="0"/>
+          </a:p>
+          <a:p>
+            <a:pPr lvl="1"/>
+            <a:r>
+              <a:rPr lang="en-US" dirty="0" err="1"/>
+              <a:t>joestump</a:t>
+            </a:r>
+            <a:r>
+              <a:rPr lang="en-US" dirty="0"/>
+              <a:t>: </a:t>
+            </a:r>
+            <a:r>
+              <a:rPr lang="en-US" dirty="0" smtClean="0"/>
+              <a:t>4.15</a:t>
+            </a:r>
+            <a:endParaRPr lang="ru-RU" dirty="0" smtClean="0"/>
+          </a:p>
+          <a:p>
+            <a:r>
+              <a:rPr lang="ru-RU" dirty="0" smtClean="0"/>
+              <a:t>Не программисты</a:t>
+            </a:r>
+          </a:p>
+          <a:p>
+            <a:pPr lvl="1"/>
+            <a:r>
+              <a:rPr lang="en-US" dirty="0" err="1"/>
+              <a:t>katyperry</a:t>
+            </a:r>
+            <a:r>
+              <a:rPr lang="en-US" dirty="0"/>
+              <a:t>: </a:t>
+            </a:r>
+            <a:r>
+              <a:rPr lang="en-US" dirty="0" smtClean="0"/>
+              <a:t>0.30</a:t>
+            </a:r>
+            <a:endParaRPr lang="ru-RU" dirty="0" smtClean="0"/>
+          </a:p>
+          <a:p>
+            <a:pPr lvl="1"/>
+            <a:r>
+              <a:rPr lang="en-US" dirty="0" err="1"/>
+              <a:t>ladygaga</a:t>
+            </a:r>
+            <a:r>
+              <a:rPr lang="en-US" dirty="0"/>
+              <a:t>: </a:t>
+            </a:r>
+            <a:r>
+              <a:rPr lang="en-US" dirty="0" smtClean="0"/>
+              <a:t>0.92</a:t>
+            </a:r>
+            <a:endParaRPr lang="ru-RU" dirty="0" smtClean="0"/>
+          </a:p>
+          <a:p>
+            <a:pPr lvl="1"/>
+            <a:r>
+              <a:rPr lang="en-US" dirty="0" err="1" smtClean="0"/>
+              <a:t>BarackObama</a:t>
+            </a:r>
+            <a:r>
+              <a:rPr lang="en-US" dirty="0" smtClean="0"/>
+              <a:t>: 0.20</a:t>
+            </a:r>
+            <a:endParaRPr lang="en-US" dirty="0"/>
+          </a:p>
+        </p:txBody>
+      </p:sp>
+    </p:spTree>
+  </p:cSld>
+  <p:clrMapOvr>
+    <a:masterClrMapping/>
+  </p:clrMapOvr>
+  <p:timing>
+    <p:tnLst>
+      <p:par>
+        <p:cTn id="1" dur="indefinite" restart="never" nodeType="tmRoot"/>
+      </p:par>
+    </p:tnLst>
+  </p:timing>
+</p:sld>
+</file>
+
+<file path=ppt/slides/slide12.xml><?xml version="1.0" encoding="utf-8"?>
+<p:sld xmlns:a="http://schemas.openxmlformats.org/drawingml/2006/main" xmlns:r="http://schemas.openxmlformats.org/officeDocument/2006/relationships" xmlns:p="http://schemas.openxmlformats.org/presentationml/2006/main">
+  <p:cSld>
+    <p:spTree>
+      <p:nvGrpSpPr>
+        <p:cNvPr id="1" name=""/>
+        <p:cNvGrpSpPr/>
+        <p:nvPr/>
+      </p:nvGrpSpPr>
+      <p:grpSpPr>
+        <a:xfrm>
+          <a:off x="0" y="0"/>
+          <a:ext cx="0" cy="0"/>
+          <a:chOff x="0" y="0"/>
+          <a:chExt cx="0" cy="0"/>
+        </a:xfrm>
+      </p:grpSpPr>
+      <p:sp>
+        <p:nvSpPr>
+          <p:cNvPr id="2" name="Title 1"/>
+          <p:cNvSpPr>
+            <a:spLocks noGrp="1"/>
+          </p:cNvSpPr>
+          <p:nvPr>
+            <p:ph type="title"/>
+          </p:nvPr>
+        </p:nvSpPr>
+        <p:spPr/>
+        <p:txBody>
+          <a:bodyPr/>
+          <a:lstStyle/>
+          <a:p>
+            <a:r>
+              <a:rPr lang="ru-RU" dirty="0" smtClean="0"/>
+              <a:t>Дальнейшее развитие</a:t>
+            </a:r>
+            <a:endParaRPr lang="en-US" dirty="0"/>
+          </a:p>
+        </p:txBody>
+      </p:sp>
+      <p:sp>
+        <p:nvSpPr>
+          <p:cNvPr id="3" name="Content Placeholder 2"/>
+          <p:cNvSpPr>
+            <a:spLocks noGrp="1"/>
+          </p:cNvSpPr>
+          <p:nvPr>
+            <p:ph idx="1"/>
+          </p:nvPr>
+        </p:nvSpPr>
+        <p:spPr/>
+        <p:txBody>
+          <a:bodyPr>
+            <a:normAutofit/>
+          </a:bodyPr>
+          <a:lstStyle/>
+          <a:p>
+            <a:r>
+              <a:rPr lang="ru-RU" dirty="0" smtClean="0"/>
+              <a:t>Реализация предложенных идей</a:t>
+            </a:r>
+          </a:p>
+          <a:p>
+            <a:r>
+              <a:rPr lang="ru-RU" dirty="0" smtClean="0"/>
+              <a:t>Эксперименты</a:t>
+            </a:r>
+            <a:endParaRPr lang="en-US" dirty="0" smtClean="0"/>
+          </a:p>
+          <a:p>
+            <a:pPr>
+              <a:buNone/>
+            </a:pPr>
             <a:endParaRPr lang="en-US" dirty="0"/>
           </a:p>
         </p:txBody>
@@ -3355,7 +3774,7 @@
           <a:p>
             <a:r>
               <a:rPr lang="ru-RU" dirty="0" smtClean="0"/>
-              <a:t>Идеи</a:t>
+              <a:t>Постановка задачи</a:t>
             </a:r>
             <a:endParaRPr lang="en-US" dirty="0"/>
           </a:p>
@@ -3378,46 +3797,33 @@
           <a:p>
             <a:r>
               <a:rPr lang="ru-RU" dirty="0" smtClean="0"/>
-              <a:t>Википедия, как источник помощи при классификации</a:t>
+              <a:t>Построить классификатор сообщений из микроблогов</a:t>
+            </a:r>
+          </a:p>
+          <a:p>
+            <a:r>
+              <a:rPr lang="ru-RU" dirty="0" smtClean="0"/>
+              <a:t>Который будет использовать</a:t>
             </a:r>
           </a:p>
           <a:p>
             <a:pPr lvl="1"/>
             <a:r>
-              <a:rPr lang="ru-RU" dirty="0"/>
-              <a:t>к</a:t>
-            </a:r>
-            <a:r>
-              <a:rPr lang="ru-RU" dirty="0" smtClean="0"/>
-              <a:t>атегории</a:t>
+              <a:rPr lang="ru-RU" dirty="0" smtClean="0"/>
+              <a:t>википедию</a:t>
             </a:r>
           </a:p>
           <a:p>
             <a:pPr lvl="1"/>
             <a:r>
-              <a:rPr lang="ru-RU" dirty="0"/>
-              <a:t>с</a:t>
-            </a:r>
-            <a:r>
-              <a:rPr lang="ru-RU" dirty="0" smtClean="0"/>
-              <a:t>сылочная структура</a:t>
-            </a:r>
-          </a:p>
-          <a:p>
-            <a:r>
-              <a:rPr lang="ru-RU" dirty="0" smtClean="0"/>
-              <a:t>Контекст</a:t>
-            </a:r>
-          </a:p>
-          <a:p>
-            <a:pPr lvl="1"/>
-            <a:r>
-              <a:rPr lang="ru-RU" dirty="0"/>
-              <a:t>о</a:t>
-            </a:r>
-            <a:r>
-              <a:rPr lang="ru-RU" dirty="0" smtClean="0"/>
-              <a:t> чем еще пишет автор данного сообщения?</a:t>
+              <a:rPr lang="ru-RU" dirty="0" smtClean="0"/>
+              <a:t>контекст</a:t>
+            </a:r>
+          </a:p>
+          <a:p>
+            <a:r>
+              <a:rPr lang="ru-RU" dirty="0" smtClean="0"/>
+              <a:t>Результатом классификации хотелось бы видеть категории из википедии</a:t>
             </a:r>
           </a:p>
           <a:p>
@@ -3431,13 +3837,6 @@
   <p:clrMapOvr>
     <a:masterClrMapping/>
   </p:clrMapOvr>
-  <p:timing>
-    <p:tnLst>
-      <p:par>
-        <p:cTn id="1" dur="indefinite" restart="never" nodeType="tmRoot"/>
-      </p:par>
-    </p:tnLst>
-  </p:timing>
 </p:sld>
 </file>
 
@@ -3475,7 +3874,7 @@
           <a:p>
             <a:r>
               <a:rPr lang="ru-RU" dirty="0" smtClean="0"/>
-              <a:t>Проблемы</a:t>
+              <a:t>Идеи</a:t>
             </a:r>
             <a:endParaRPr lang="en-US" dirty="0"/>
           </a:p>
@@ -3498,13 +3897,18 @@
           <a:p>
             <a:r>
               <a:rPr lang="ru-RU" dirty="0" smtClean="0"/>
-              <a:t>Размер википедии</a:t>
-            </a:r>
-          </a:p>
-          <a:p>
-            <a:r>
-              <a:rPr lang="ru-RU" dirty="0" smtClean="0"/>
-              <a:t>Структура категорий</a:t>
+              <a:t>Википедия, как источник помощи при классификации</a:t>
+            </a:r>
+          </a:p>
+          <a:p>
+            <a:pPr lvl="1"/>
+            <a:r>
+              <a:rPr lang="ru-RU" dirty="0"/>
+              <a:t>к</a:t>
+            </a:r>
+            <a:r>
+              <a:rPr lang="ru-RU" dirty="0" smtClean="0"/>
+              <a:t>атегории</a:t>
             </a:r>
           </a:p>
           <a:p>
@@ -3515,32 +3919,29 @@
             </a:r>
             <a:r>
               <a:rPr lang="ru-RU" dirty="0" smtClean="0"/>
-              <a:t>овсем не дерево</a:t>
+              <a:t>сылочная структура</a:t>
+            </a:r>
+          </a:p>
+          <a:p>
+            <a:r>
+              <a:rPr lang="ru-RU" dirty="0" smtClean="0"/>
+              <a:t>Контекст</a:t>
             </a:r>
           </a:p>
           <a:p>
             <a:pPr lvl="1"/>
             <a:r>
               <a:rPr lang="ru-RU" dirty="0"/>
-              <a:t>и</a:t>
-            </a:r>
-            <a:r>
-              <a:rPr lang="ru-RU" dirty="0" smtClean="0"/>
-              <a:t> даже не ацикличный граф</a:t>
-            </a:r>
-            <a:endParaRPr lang="ru-RU" dirty="0"/>
+              <a:t>о</a:t>
+            </a:r>
+            <a:r>
+              <a:rPr lang="ru-RU" dirty="0" smtClean="0"/>
+              <a:t> чем еще пишет автор данного сообщения?</a:t>
+            </a:r>
           </a:p>
           <a:p>
             <a:pPr lvl="1"/>
-            <a:r>
-              <a:rPr lang="en-US" i="1" dirty="0" smtClean="0"/>
-              <a:t>Programming languages</a:t>
-            </a:r>
-            <a:r>
-              <a:rPr lang="en-US" dirty="0" smtClean="0"/>
-              <a:t>? </a:t>
-            </a:r>
-            <a:endParaRPr lang="ru-RU" dirty="0" smtClean="0"/>
+            <a:endParaRPr lang="en-US" dirty="0"/>
           </a:p>
         </p:txBody>
       </p:sp>
@@ -3593,15 +3994,7 @@
           <a:p>
             <a:r>
               <a:rPr lang="ru-RU" dirty="0" smtClean="0"/>
-              <a:t>Текущие</a:t>
-            </a:r>
-            <a:r>
-              <a:rPr lang="en-US" dirty="0" smtClean="0"/>
-              <a:t> </a:t>
-            </a:r>
-            <a:r>
-              <a:rPr lang="ru-RU" dirty="0" smtClean="0"/>
-              <a:t>результаты (1)</a:t>
+              <a:t>Проблемы (1)</a:t>
             </a:r>
             <a:endParaRPr lang="en-US" dirty="0"/>
           </a:p>
@@ -3624,15 +4017,43 @@
           <a:p>
             <a:r>
               <a:rPr lang="ru-RU" dirty="0" smtClean="0"/>
-              <a:t>Попытка классифицировать сообщения из микроблогов на имеющие отношения к программированию и не имеющие</a:t>
-            </a:r>
-          </a:p>
-          <a:p>
-            <a:r>
-              <a:rPr lang="ru-RU" dirty="0" smtClean="0"/>
-              <a:t>Попытка классифицировать пользователей на основе полученной информации</a:t>
-            </a:r>
-            <a:endParaRPr lang="en-US" dirty="0"/>
+              <a:t>Размер одного сообщения</a:t>
+            </a:r>
+          </a:p>
+          <a:p>
+            <a:r>
+              <a:rPr lang="ru-RU" dirty="0" smtClean="0"/>
+              <a:t>Размер английской википедии</a:t>
+            </a:r>
+          </a:p>
+          <a:p>
+            <a:r>
+              <a:rPr lang="ru-RU" dirty="0" smtClean="0"/>
+              <a:t>Структура категорий</a:t>
+            </a:r>
+          </a:p>
+          <a:p>
+            <a:pPr lvl="1"/>
+            <a:r>
+              <a:rPr lang="ru-RU" dirty="0"/>
+              <a:t>с</a:t>
+            </a:r>
+            <a:r>
+              <a:rPr lang="ru-RU" dirty="0" smtClean="0"/>
+              <a:t>овсем не дерево</a:t>
+            </a:r>
+          </a:p>
+          <a:p>
+            <a:pPr lvl="1"/>
+            <a:r>
+              <a:rPr lang="ru-RU" dirty="0"/>
+              <a:t>и</a:t>
+            </a:r>
+            <a:r>
+              <a:rPr lang="ru-RU" dirty="0" smtClean="0"/>
+              <a:t> даже не ацикличный граф</a:t>
+            </a:r>
+            <a:endParaRPr lang="ru-RU" dirty="0"/>
           </a:p>
         </p:txBody>
       </p:sp>
@@ -3685,7 +4106,7 @@
           <a:p>
             <a:r>
               <a:rPr lang="ru-RU" dirty="0" smtClean="0"/>
-              <a:t>Текущие результаты (2)</a:t>
+              <a:t>Проблемы (2)</a:t>
             </a:r>
             <a:endParaRPr lang="en-US" dirty="0"/>
           </a:p>
@@ -3703,128 +4124,518 @@
         </p:nvSpPr>
         <p:spPr/>
         <p:txBody>
-          <a:bodyPr>
-            <a:normAutofit/>
-          </a:bodyPr>
-          <a:lstStyle/>
-          <a:p>
-            <a:r>
-              <a:rPr lang="ru-RU" dirty="0" smtClean="0"/>
-              <a:t>Программисты</a:t>
-            </a:r>
-          </a:p>
-          <a:p>
-            <a:pPr lvl="1"/>
-            <a:r>
-              <a:rPr lang="en-US" dirty="0" err="1" smtClean="0"/>
-              <a:t>sstephenson</a:t>
-            </a:r>
-            <a:r>
-              <a:rPr lang="en-US" dirty="0"/>
-              <a:t>: </a:t>
+          <a:bodyPr/>
+          <a:lstStyle/>
+          <a:p>
+            <a:r>
+              <a:rPr lang="en-US" i="1" dirty="0" smtClean="0"/>
+              <a:t>Programming languages</a:t>
             </a:r>
             <a:r>
               <a:rPr lang="en-US" dirty="0" smtClean="0"/>
-              <a:t>16.153254370938036</a:t>
-            </a:r>
-            <a:endParaRPr lang="ru-RU" dirty="0" smtClean="0"/>
-          </a:p>
-          <a:p>
-            <a:pPr lvl="1"/>
-            <a:r>
-              <a:rPr lang="en-US" dirty="0" err="1"/>
-              <a:t>joehewitt</a:t>
-            </a:r>
-            <a:r>
-              <a:rPr lang="en-US" dirty="0"/>
-              <a:t>: </a:t>
-            </a:r>
+              <a:t>?</a:t>
+            </a:r>
+            <a:endParaRPr lang="en-US" dirty="0"/>
+          </a:p>
+        </p:txBody>
+      </p:sp>
+      <p:sp>
+        <p:nvSpPr>
+          <p:cNvPr id="4" name="Rounded Rectangle 3"/>
+          <p:cNvSpPr/>
+          <p:nvPr/>
+        </p:nvSpPr>
+        <p:spPr>
+          <a:xfrm>
+            <a:off x="6324600" y="3581400"/>
+            <a:ext cx="1600200" cy="609600"/>
+          </a:xfrm>
+          <a:prstGeom prst="roundRect">
+            <a:avLst/>
+          </a:prstGeom>
+          <a:ln/>
+        </p:spPr>
+        <p:style>
+          <a:lnRef idx="2">
+            <a:schemeClr val="dk1"/>
+          </a:lnRef>
+          <a:fillRef idx="1">
+            <a:schemeClr val="lt1"/>
+          </a:fillRef>
+          <a:effectRef idx="0">
+            <a:schemeClr val="dk1"/>
+          </a:effectRef>
+          <a:fontRef idx="minor">
+            <a:schemeClr val="dk1"/>
+          </a:fontRef>
+        </p:style>
+        <p:txBody>
+          <a:bodyPr rtlCol="0" anchor="ctr"/>
+          <a:lstStyle/>
+          <a:p>
+            <a:pPr algn="ctr"/>
             <a:r>
               <a:rPr lang="en-US" dirty="0" smtClean="0"/>
-              <a:t>2.04975624651863</a:t>
-            </a:r>
-            <a:endParaRPr lang="ru-RU" dirty="0" smtClean="0"/>
-          </a:p>
-          <a:p>
-            <a:pPr lvl="1"/>
-            <a:r>
-              <a:rPr lang="en-US" dirty="0" err="1"/>
-              <a:t>joestump</a:t>
-            </a:r>
-            <a:r>
-              <a:rPr lang="en-US" dirty="0"/>
-              <a:t>: </a:t>
-            </a:r>
+              <a:t>Programming languages</a:t>
+            </a:r>
+            <a:endParaRPr lang="en-US" dirty="0"/>
+          </a:p>
+        </p:txBody>
+      </p:sp>
+      <p:sp>
+        <p:nvSpPr>
+          <p:cNvPr id="5" name="Rounded Rectangle 4"/>
+          <p:cNvSpPr/>
+          <p:nvPr/>
+        </p:nvSpPr>
+        <p:spPr>
+          <a:xfrm>
+            <a:off x="3962400" y="2895600"/>
+            <a:ext cx="1600200" cy="609600"/>
+          </a:xfrm>
+          <a:prstGeom prst="roundRect">
+            <a:avLst/>
+          </a:prstGeom>
+        </p:spPr>
+        <p:style>
+          <a:lnRef idx="2">
+            <a:schemeClr val="dk1"/>
+          </a:lnRef>
+          <a:fillRef idx="1">
+            <a:schemeClr val="lt1"/>
+          </a:fillRef>
+          <a:effectRef idx="0">
+            <a:schemeClr val="dk1"/>
+          </a:effectRef>
+          <a:fontRef idx="minor">
+            <a:schemeClr val="dk1"/>
+          </a:fontRef>
+        </p:style>
+        <p:txBody>
+          <a:bodyPr rtlCol="0" anchor="ctr"/>
+          <a:lstStyle/>
+          <a:p>
+            <a:pPr algn="ctr"/>
             <a:r>
               <a:rPr lang="en-US" dirty="0" smtClean="0"/>
-              <a:t>4.142122742967949</a:t>
-            </a:r>
-            <a:endParaRPr lang="ru-RU" dirty="0" smtClean="0"/>
-          </a:p>
-          <a:p>
-            <a:r>
-              <a:rPr lang="ru-RU" dirty="0" smtClean="0"/>
-              <a:t>Не программисты</a:t>
-            </a:r>
-          </a:p>
-          <a:p>
-            <a:pPr lvl="1"/>
-            <a:r>
-              <a:rPr lang="en-US" dirty="0" err="1"/>
-              <a:t>katyperry</a:t>
-            </a:r>
-            <a:r>
-              <a:rPr lang="en-US" dirty="0"/>
-              <a:t>: </a:t>
-            </a:r>
+              <a:t>Computer programming</a:t>
+            </a:r>
+            <a:endParaRPr lang="en-US" dirty="0"/>
+          </a:p>
+        </p:txBody>
+      </p:sp>
+      <p:sp>
+        <p:nvSpPr>
+          <p:cNvPr id="7" name="Rounded Rectangle 6"/>
+          <p:cNvSpPr/>
+          <p:nvPr/>
+        </p:nvSpPr>
+        <p:spPr>
+          <a:xfrm>
+            <a:off x="685800" y="2362200"/>
+            <a:ext cx="1447800" cy="609600"/>
+          </a:xfrm>
+          <a:prstGeom prst="roundRect">
+            <a:avLst/>
+          </a:prstGeom>
+        </p:spPr>
+        <p:style>
+          <a:lnRef idx="2">
+            <a:schemeClr val="dk1"/>
+          </a:lnRef>
+          <a:fillRef idx="1">
+            <a:schemeClr val="lt1"/>
+          </a:fillRef>
+          <a:effectRef idx="0">
+            <a:schemeClr val="dk1"/>
+          </a:effectRef>
+          <a:fontRef idx="minor">
+            <a:schemeClr val="dk1"/>
+          </a:fontRef>
+        </p:style>
+        <p:txBody>
+          <a:bodyPr rtlCol="0" anchor="ctr"/>
+          <a:lstStyle/>
+          <a:p>
+            <a:pPr algn="ctr"/>
             <a:r>
               <a:rPr lang="en-US" dirty="0" smtClean="0"/>
-              <a:t>0.3060912490764008</a:t>
-            </a:r>
-            <a:endParaRPr lang="ru-RU" dirty="0" smtClean="0"/>
-          </a:p>
-          <a:p>
-            <a:pPr lvl="1"/>
-            <a:r>
-              <a:rPr lang="en-US" dirty="0" err="1"/>
-              <a:t>ladygaga</a:t>
-            </a:r>
-            <a:r>
-              <a:rPr lang="en-US" dirty="0"/>
-              <a:t>: </a:t>
-            </a:r>
+              <a:t>Technology</a:t>
+            </a:r>
+            <a:endParaRPr lang="en-US" dirty="0"/>
+          </a:p>
+        </p:txBody>
+      </p:sp>
+      <p:sp>
+        <p:nvSpPr>
+          <p:cNvPr id="8" name="Rounded Rectangle 7"/>
+          <p:cNvSpPr/>
+          <p:nvPr/>
+        </p:nvSpPr>
+        <p:spPr>
+          <a:xfrm>
+            <a:off x="3962400" y="4267200"/>
+            <a:ext cx="1600200" cy="609600"/>
+          </a:xfrm>
+          <a:prstGeom prst="roundRect">
+            <a:avLst/>
+          </a:prstGeom>
+        </p:spPr>
+        <p:style>
+          <a:lnRef idx="2">
+            <a:schemeClr val="dk1"/>
+          </a:lnRef>
+          <a:fillRef idx="1">
+            <a:schemeClr val="lt1"/>
+          </a:fillRef>
+          <a:effectRef idx="0">
+            <a:schemeClr val="dk1"/>
+          </a:effectRef>
+          <a:fontRef idx="minor">
+            <a:schemeClr val="dk1"/>
+          </a:fontRef>
+        </p:style>
+        <p:txBody>
+          <a:bodyPr rtlCol="0" anchor="ctr"/>
+          <a:lstStyle/>
+          <a:p>
+            <a:pPr algn="ctr"/>
             <a:r>
               <a:rPr lang="en-US" dirty="0" smtClean="0"/>
-              <a:t>0.9178572404672108</a:t>
-            </a:r>
-            <a:endParaRPr lang="ru-RU" dirty="0" smtClean="0"/>
-          </a:p>
-          <a:p>
-            <a:pPr lvl="1"/>
-            <a:r>
-              <a:rPr lang="en-US" dirty="0" err="1" smtClean="0"/>
-              <a:t>BarackObama</a:t>
-            </a:r>
+              <a:t>Constructed languages</a:t>
+            </a:r>
+          </a:p>
+        </p:txBody>
+      </p:sp>
+      <p:sp>
+        <p:nvSpPr>
+          <p:cNvPr id="9" name="Rounded Rectangle 8"/>
+          <p:cNvSpPr/>
+          <p:nvPr/>
+        </p:nvSpPr>
+        <p:spPr>
+          <a:xfrm>
+            <a:off x="685800" y="5486400"/>
+            <a:ext cx="1447800" cy="609600"/>
+          </a:xfrm>
+          <a:prstGeom prst="roundRect">
+            <a:avLst/>
+          </a:prstGeom>
+        </p:spPr>
+        <p:style>
+          <a:lnRef idx="2">
+            <a:schemeClr val="dk1"/>
+          </a:lnRef>
+          <a:fillRef idx="1">
+            <a:schemeClr val="lt1"/>
+          </a:fillRef>
+          <a:effectRef idx="0">
+            <a:schemeClr val="dk1"/>
+          </a:effectRef>
+          <a:fontRef idx="minor">
+            <a:schemeClr val="dk1"/>
+          </a:fontRef>
+        </p:style>
+        <p:txBody>
+          <a:bodyPr rtlCol="0" anchor="ctr"/>
+          <a:lstStyle/>
+          <a:p>
+            <a:pPr algn="ctr"/>
             <a:r>
               <a:rPr lang="en-US" dirty="0" smtClean="0"/>
-              <a:t>: 0.20461680833458684</a:t>
+              <a:t>Culture</a:t>
             </a:r>
             <a:endParaRPr lang="en-US" dirty="0"/>
           </a:p>
         </p:txBody>
       </p:sp>
+      <p:sp>
+        <p:nvSpPr>
+          <p:cNvPr id="10" name="Rounded Rectangle 9"/>
+          <p:cNvSpPr/>
+          <p:nvPr/>
+        </p:nvSpPr>
+        <p:spPr>
+          <a:xfrm>
+            <a:off x="685800" y="3429000"/>
+            <a:ext cx="1447800" cy="609600"/>
+          </a:xfrm>
+          <a:prstGeom prst="roundRect">
+            <a:avLst/>
+          </a:prstGeom>
+        </p:spPr>
+        <p:style>
+          <a:lnRef idx="2">
+            <a:schemeClr val="dk1"/>
+          </a:lnRef>
+          <a:fillRef idx="1">
+            <a:schemeClr val="lt1"/>
+          </a:fillRef>
+          <a:effectRef idx="0">
+            <a:schemeClr val="dk1"/>
+          </a:effectRef>
+          <a:fontRef idx="minor">
+            <a:schemeClr val="dk1"/>
+          </a:fontRef>
+        </p:style>
+        <p:txBody>
+          <a:bodyPr rtlCol="0" anchor="ctr"/>
+          <a:lstStyle/>
+          <a:p>
+            <a:pPr algn="ctr"/>
+            <a:r>
+              <a:rPr lang="en-US" dirty="0" smtClean="0"/>
+              <a:t>Science</a:t>
+            </a:r>
+            <a:endParaRPr lang="en-US" dirty="0"/>
+          </a:p>
+        </p:txBody>
+      </p:sp>
+      <p:sp>
+        <p:nvSpPr>
+          <p:cNvPr id="11" name="Rounded Rectangle 10"/>
+          <p:cNvSpPr/>
+          <p:nvPr/>
+        </p:nvSpPr>
+        <p:spPr>
+          <a:xfrm>
+            <a:off x="685800" y="4495800"/>
+            <a:ext cx="1447800" cy="609600"/>
+          </a:xfrm>
+          <a:prstGeom prst="roundRect">
+            <a:avLst/>
+          </a:prstGeom>
+        </p:spPr>
+        <p:style>
+          <a:lnRef idx="2">
+            <a:schemeClr val="dk1"/>
+          </a:lnRef>
+          <a:fillRef idx="1">
+            <a:schemeClr val="lt1"/>
+          </a:fillRef>
+          <a:effectRef idx="0">
+            <a:schemeClr val="dk1"/>
+          </a:effectRef>
+          <a:fontRef idx="minor">
+            <a:schemeClr val="dk1"/>
+          </a:fontRef>
+        </p:style>
+        <p:txBody>
+          <a:bodyPr rtlCol="0" anchor="ctr"/>
+          <a:lstStyle/>
+          <a:p>
+            <a:pPr algn="ctr"/>
+            <a:r>
+              <a:rPr lang="en-US" dirty="0" smtClean="0"/>
+              <a:t>Sociology</a:t>
+            </a:r>
+            <a:endParaRPr lang="en-US" dirty="0"/>
+          </a:p>
+        </p:txBody>
+      </p:sp>
+      <p:cxnSp>
+        <p:nvCxnSpPr>
+          <p:cNvPr id="13" name="Straight Arrow Connector 12"/>
+          <p:cNvCxnSpPr/>
+          <p:nvPr/>
+        </p:nvCxnSpPr>
+        <p:spPr>
+          <a:xfrm flipV="1">
+            <a:off x="2209800" y="4648200"/>
+            <a:ext cx="1676400" cy="1143000"/>
+          </a:xfrm>
+          <a:prstGeom prst="straightConnector1">
+            <a:avLst/>
+          </a:prstGeom>
+          <a:ln>
+            <a:tailEnd type="arrow"/>
+          </a:ln>
+        </p:spPr>
+        <p:style>
+          <a:lnRef idx="2">
+            <a:schemeClr val="dk1"/>
+          </a:lnRef>
+          <a:fillRef idx="0">
+            <a:schemeClr val="dk1"/>
+          </a:fillRef>
+          <a:effectRef idx="1">
+            <a:schemeClr val="dk1"/>
+          </a:effectRef>
+          <a:fontRef idx="minor">
+            <a:schemeClr val="tx1"/>
+          </a:fontRef>
+        </p:style>
+      </p:cxnSp>
+      <p:cxnSp>
+        <p:nvCxnSpPr>
+          <p:cNvPr id="15" name="Straight Arrow Connector 14"/>
+          <p:cNvCxnSpPr/>
+          <p:nvPr/>
+        </p:nvCxnSpPr>
+        <p:spPr>
+          <a:xfrm>
+            <a:off x="2209800" y="2667000"/>
+            <a:ext cx="1676400" cy="533400"/>
+          </a:xfrm>
+          <a:prstGeom prst="straightConnector1">
+            <a:avLst/>
+          </a:prstGeom>
+          <a:ln>
+            <a:tailEnd type="arrow"/>
+          </a:ln>
+        </p:spPr>
+        <p:style>
+          <a:lnRef idx="2">
+            <a:schemeClr val="dk1"/>
+          </a:lnRef>
+          <a:fillRef idx="0">
+            <a:schemeClr val="dk1"/>
+          </a:fillRef>
+          <a:effectRef idx="1">
+            <a:schemeClr val="dk1"/>
+          </a:effectRef>
+          <a:fontRef idx="minor">
+            <a:schemeClr val="tx1"/>
+          </a:fontRef>
+        </p:style>
+      </p:cxnSp>
+      <p:cxnSp>
+        <p:nvCxnSpPr>
+          <p:cNvPr id="17" name="Straight Arrow Connector 16"/>
+          <p:cNvCxnSpPr/>
+          <p:nvPr/>
+        </p:nvCxnSpPr>
+        <p:spPr>
+          <a:xfrm flipV="1">
+            <a:off x="2209800" y="3352800"/>
+            <a:ext cx="1676400" cy="381000"/>
+          </a:xfrm>
+          <a:prstGeom prst="straightConnector1">
+            <a:avLst/>
+          </a:prstGeom>
+          <a:ln>
+            <a:tailEnd type="arrow"/>
+          </a:ln>
+        </p:spPr>
+        <p:style>
+          <a:lnRef idx="2">
+            <a:schemeClr val="dk1"/>
+          </a:lnRef>
+          <a:fillRef idx="0">
+            <a:schemeClr val="dk1"/>
+          </a:fillRef>
+          <a:effectRef idx="1">
+            <a:schemeClr val="dk1"/>
+          </a:effectRef>
+          <a:fontRef idx="minor">
+            <a:schemeClr val="tx1"/>
+          </a:fontRef>
+        </p:style>
+      </p:cxnSp>
+      <p:cxnSp>
+        <p:nvCxnSpPr>
+          <p:cNvPr id="19" name="Straight Arrow Connector 18"/>
+          <p:cNvCxnSpPr/>
+          <p:nvPr/>
+        </p:nvCxnSpPr>
+        <p:spPr>
+          <a:xfrm flipV="1">
+            <a:off x="2209800" y="4495800"/>
+            <a:ext cx="1600200" cy="304800"/>
+          </a:xfrm>
+          <a:prstGeom prst="straightConnector1">
+            <a:avLst/>
+          </a:prstGeom>
+          <a:ln>
+            <a:tailEnd type="arrow"/>
+          </a:ln>
+        </p:spPr>
+        <p:style>
+          <a:lnRef idx="2">
+            <a:schemeClr val="dk1"/>
+          </a:lnRef>
+          <a:fillRef idx="0">
+            <a:schemeClr val="dk1"/>
+          </a:fillRef>
+          <a:effectRef idx="1">
+            <a:schemeClr val="dk1"/>
+          </a:effectRef>
+          <a:fontRef idx="minor">
+            <a:schemeClr val="tx1"/>
+          </a:fontRef>
+        </p:style>
+      </p:cxnSp>
+      <p:cxnSp>
+        <p:nvCxnSpPr>
+          <p:cNvPr id="21" name="Straight Arrow Connector 20"/>
+          <p:cNvCxnSpPr/>
+          <p:nvPr/>
+        </p:nvCxnSpPr>
+        <p:spPr>
+          <a:xfrm>
+            <a:off x="5638800" y="3200400"/>
+            <a:ext cx="609600" cy="609600"/>
+          </a:xfrm>
+          <a:prstGeom prst="straightConnector1">
+            <a:avLst/>
+          </a:prstGeom>
+          <a:ln>
+            <a:tailEnd type="arrow"/>
+          </a:ln>
+        </p:spPr>
+        <p:style>
+          <a:lnRef idx="2">
+            <a:schemeClr val="dk1"/>
+          </a:lnRef>
+          <a:fillRef idx="0">
+            <a:schemeClr val="dk1"/>
+          </a:fillRef>
+          <a:effectRef idx="1">
+            <a:schemeClr val="dk1"/>
+          </a:effectRef>
+          <a:fontRef idx="minor">
+            <a:schemeClr val="tx1"/>
+          </a:fontRef>
+        </p:style>
+      </p:cxnSp>
+      <p:cxnSp>
+        <p:nvCxnSpPr>
+          <p:cNvPr id="23" name="Straight Arrow Connector 22"/>
+          <p:cNvCxnSpPr/>
+          <p:nvPr/>
+        </p:nvCxnSpPr>
+        <p:spPr>
+          <a:xfrm flipV="1">
+            <a:off x="5638800" y="4038600"/>
+            <a:ext cx="609600" cy="533400"/>
+          </a:xfrm>
+          <a:prstGeom prst="straightConnector1">
+            <a:avLst/>
+          </a:prstGeom>
+          <a:ln>
+            <a:tailEnd type="arrow"/>
+          </a:ln>
+        </p:spPr>
+        <p:style>
+          <a:lnRef idx="2">
+            <a:schemeClr val="dk1"/>
+          </a:lnRef>
+          <a:fillRef idx="0">
+            <a:schemeClr val="dk1"/>
+          </a:fillRef>
+          <a:effectRef idx="1">
+            <a:schemeClr val="dk1"/>
+          </a:effectRef>
+          <a:fontRef idx="minor">
+            <a:schemeClr val="tx1"/>
+          </a:fontRef>
+        </p:style>
+      </p:cxnSp>
     </p:spTree>
   </p:cSld>
   <p:clrMapOvr>
     <a:masterClrMapping/>
   </p:clrMapOvr>
-  <p:timing>
-    <p:tnLst>
-      <p:par>
-        <p:cTn id="1" dur="indefinite" restart="never" nodeType="tmRoot"/>
-      </p:par>
-    </p:tnLst>
-  </p:timing>
 </p:sld>
 </file>
 
@@ -3857,12 +4668,14 @@
         </p:nvSpPr>
         <p:spPr/>
         <p:txBody>
-          <a:bodyPr/>
-          <a:lstStyle/>
-          <a:p>
-            <a:r>
-              <a:rPr lang="ru-RU" dirty="0" smtClean="0"/>
-              <a:t>Дальнейшее развитие</a:t>
+          <a:bodyPr>
+            <a:normAutofit fontScale="90000"/>
+          </a:bodyPr>
+          <a:lstStyle/>
+          <a:p>
+            <a:r>
+              <a:rPr lang="ru-RU" dirty="0" smtClean="0"/>
+              <a:t>Идеи для классификации одного сообщения</a:t>
             </a:r>
             <a:endParaRPr lang="en-US" dirty="0"/>
           </a:p>
@@ -3880,39 +4693,278 @@
         </p:nvSpPr>
         <p:spPr/>
         <p:txBody>
-          <a:bodyPr/>
-          <a:lstStyle/>
-          <a:p>
-            <a:r>
-              <a:rPr lang="ru-RU" dirty="0" smtClean="0"/>
-              <a:t>Решение проблемы со структурой категорий</a:t>
-            </a:r>
+          <a:bodyPr>
+            <a:normAutofit lnSpcReduction="10000"/>
+          </a:bodyPr>
+          <a:lstStyle/>
+          <a:p>
+            <a:r>
+              <a:rPr lang="ru-RU" dirty="0" smtClean="0"/>
+              <a:t>Будем использовать подсчитанную статистику слов по которым делаются переходы на страницы википедии</a:t>
+            </a:r>
+          </a:p>
+          <a:p>
+            <a:r>
+              <a:rPr lang="ru-RU" dirty="0" smtClean="0"/>
+              <a:t>Для каждого слова сообщения найдем одну-две наиболее вероятных статьи на которые эти слова ведут</a:t>
+            </a:r>
+          </a:p>
+          <a:p>
+            <a:r>
+              <a:rPr lang="ru-RU" dirty="0" smtClean="0"/>
+              <a:t>Попробуем найти категорию википедии включающую наибольшую долю найденных выше статей</a:t>
+            </a:r>
+            <a:endParaRPr lang="en-US" dirty="0"/>
+          </a:p>
+        </p:txBody>
+      </p:sp>
+    </p:spTree>
+  </p:cSld>
+  <p:clrMapOvr>
+    <a:masterClrMapping/>
+  </p:clrMapOvr>
+</p:sld>
+</file>
+
+<file path=ppt/slides/slide8.xml><?xml version="1.0" encoding="utf-8"?>
+<p:sld xmlns:a="http://schemas.openxmlformats.org/drawingml/2006/main" xmlns:r="http://schemas.openxmlformats.org/officeDocument/2006/relationships" xmlns:p="http://schemas.openxmlformats.org/presentationml/2006/main">
+  <p:cSld>
+    <p:spTree>
+      <p:nvGrpSpPr>
+        <p:cNvPr id="1" name=""/>
+        <p:cNvGrpSpPr/>
+        <p:nvPr/>
+      </p:nvGrpSpPr>
+      <p:grpSpPr>
+        <a:xfrm>
+          <a:off x="0" y="0"/>
+          <a:ext cx="0" cy="0"/>
+          <a:chOff x="0" y="0"/>
+          <a:chExt cx="0" cy="0"/>
+        </a:xfrm>
+      </p:grpSpPr>
+      <p:sp>
+        <p:nvSpPr>
+          <p:cNvPr id="2" name="Title 1"/>
+          <p:cNvSpPr>
+            <a:spLocks noGrp="1"/>
+          </p:cNvSpPr>
+          <p:nvPr>
+            <p:ph type="title"/>
+          </p:nvPr>
+        </p:nvSpPr>
+        <p:spPr/>
+        <p:txBody>
+          <a:bodyPr>
+            <a:normAutofit fontScale="90000"/>
+          </a:bodyPr>
+          <a:lstStyle/>
+          <a:p>
+            <a:r>
+              <a:rPr lang="ru-RU" dirty="0" smtClean="0"/>
+              <a:t>Идеи для классификации одного сообщения с учетом контекста</a:t>
+            </a:r>
+            <a:endParaRPr lang="en-US" dirty="0"/>
+          </a:p>
+        </p:txBody>
+      </p:sp>
+      <p:sp>
+        <p:nvSpPr>
+          <p:cNvPr id="3" name="Content Placeholder 2"/>
+          <p:cNvSpPr>
+            <a:spLocks noGrp="1"/>
+          </p:cNvSpPr>
+          <p:nvPr>
+            <p:ph idx="1"/>
+          </p:nvPr>
+        </p:nvSpPr>
+        <p:spPr/>
+        <p:txBody>
+          <a:bodyPr/>
+          <a:lstStyle/>
+          <a:p>
+            <a:r>
+              <a:rPr lang="ru-RU" dirty="0" smtClean="0"/>
+              <a:t>Будем использовать найденные ранее категории</a:t>
+            </a:r>
+            <a:r>
+              <a:rPr lang="en-US" dirty="0" smtClean="0"/>
+              <a:t>,</a:t>
+            </a:r>
+            <a:r>
+              <a:rPr lang="ru-RU" dirty="0" smtClean="0"/>
+              <a:t> как </a:t>
+            </a:r>
+            <a:r>
+              <a:rPr lang="en-US" dirty="0" smtClean="0"/>
+              <a:t>features </a:t>
+            </a:r>
+            <a:r>
+              <a:rPr lang="ru-RU" dirty="0" smtClean="0"/>
+              <a:t>для кластеризации</a:t>
+            </a:r>
+          </a:p>
+          <a:p>
+            <a:r>
+              <a:rPr lang="ru-RU" dirty="0" smtClean="0"/>
+              <a:t>Кластеризуем другие сообщения автора</a:t>
+            </a:r>
+          </a:p>
+          <a:p>
+            <a:r>
+              <a:rPr lang="ru-RU" dirty="0" smtClean="0"/>
+              <a:t>Сопоставим каждому кластеру объединяющую категорию</a:t>
+            </a:r>
+            <a:r>
+              <a:rPr lang="en-US" dirty="0" smtClean="0"/>
+              <a:t>/</a:t>
+            </a:r>
+            <a:r>
+              <a:rPr lang="ru-RU" dirty="0" smtClean="0"/>
+              <a:t>категории</a:t>
+            </a:r>
+          </a:p>
+          <a:p>
+            <a:r>
+              <a:rPr lang="ru-RU" dirty="0" smtClean="0"/>
+              <a:t>Найдем к какому из кластеров относится сообщение для классификации</a:t>
+            </a:r>
+            <a:endParaRPr lang="en-US" dirty="0"/>
+          </a:p>
+        </p:txBody>
+      </p:sp>
+    </p:spTree>
+  </p:cSld>
+  <p:clrMapOvr>
+    <a:masterClrMapping/>
+  </p:clrMapOvr>
+</p:sld>
+</file>
+
+<file path=ppt/slides/slide9.xml><?xml version="1.0" encoding="utf-8"?>
+<p:sld xmlns:a="http://schemas.openxmlformats.org/drawingml/2006/main" xmlns:r="http://schemas.openxmlformats.org/officeDocument/2006/relationships" xmlns:p="http://schemas.openxmlformats.org/presentationml/2006/main">
+  <p:cSld>
+    <p:spTree>
+      <p:nvGrpSpPr>
+        <p:cNvPr id="1" name=""/>
+        <p:cNvGrpSpPr/>
+        <p:nvPr/>
+      </p:nvGrpSpPr>
+      <p:grpSpPr>
+        <a:xfrm>
+          <a:off x="0" y="0"/>
+          <a:ext cx="0" cy="0"/>
+          <a:chOff x="0" y="0"/>
+          <a:chExt cx="0" cy="0"/>
+        </a:xfrm>
+      </p:grpSpPr>
+      <p:sp>
+        <p:nvSpPr>
+          <p:cNvPr id="2" name="Title 1"/>
+          <p:cNvSpPr>
+            <a:spLocks noGrp="1"/>
+          </p:cNvSpPr>
+          <p:nvPr>
+            <p:ph type="title"/>
+          </p:nvPr>
+        </p:nvSpPr>
+        <p:spPr/>
+        <p:txBody>
+          <a:bodyPr/>
+          <a:lstStyle/>
+          <a:p>
+            <a:r>
+              <a:rPr lang="ru-RU" dirty="0" smtClean="0"/>
+              <a:t>Текущие</a:t>
+            </a:r>
+            <a:r>
+              <a:rPr lang="en-US" dirty="0" smtClean="0"/>
+              <a:t> </a:t>
+            </a:r>
+            <a:r>
+              <a:rPr lang="ru-RU" dirty="0" smtClean="0"/>
+              <a:t>результаты (1)</a:t>
+            </a:r>
+            <a:endParaRPr lang="en-US" dirty="0"/>
+          </a:p>
+        </p:txBody>
+      </p:sp>
+      <p:sp>
+        <p:nvSpPr>
+          <p:cNvPr id="3" name="Content Placeholder 2"/>
+          <p:cNvSpPr>
+            <a:spLocks noGrp="1"/>
+          </p:cNvSpPr>
+          <p:nvPr>
+            <p:ph idx="1"/>
+          </p:nvPr>
+        </p:nvSpPr>
+        <p:spPr/>
+        <p:txBody>
+          <a:bodyPr>
+            <a:normAutofit fontScale="92500"/>
+          </a:bodyPr>
+          <a:lstStyle/>
+          <a:p>
+            <a:r>
+              <a:rPr lang="ru-RU" dirty="0" smtClean="0"/>
+              <a:t>Написан подсчет</a:t>
+            </a:r>
+            <a:r>
+              <a:rPr lang="en-US" dirty="0" smtClean="0"/>
+              <a:t>/</a:t>
+            </a:r>
+            <a:r>
+              <a:rPr lang="ru-RU" dirty="0" smtClean="0"/>
+              <a:t>извлечение различных статистик</a:t>
+            </a:r>
+            <a:r>
+              <a:rPr lang="en-US" dirty="0" smtClean="0"/>
+              <a:t>/</a:t>
+            </a:r>
+            <a:r>
+              <a:rPr lang="ru-RU" dirty="0" smtClean="0"/>
+              <a:t>данных из википедии</a:t>
+            </a:r>
+            <a:r>
+              <a:rPr lang="en-US" dirty="0" smtClean="0"/>
+              <a:t>:</a:t>
+            </a:r>
+            <a:endParaRPr lang="ru-RU" dirty="0" smtClean="0"/>
           </a:p>
           <a:p>
             <a:pPr lvl="1"/>
             <a:r>
-              <a:rPr lang="ru-RU" dirty="0"/>
-              <a:t>н</a:t>
-            </a:r>
-            <a:r>
-              <a:rPr lang="ru-RU" dirty="0" smtClean="0"/>
-              <a:t>е все родительские категории одинаково важны</a:t>
-            </a:r>
-          </a:p>
-          <a:p>
-            <a:r>
-              <a:rPr lang="ru-RU" dirty="0" smtClean="0"/>
-              <a:t>Классификация сообщений на всё дерево категорий</a:t>
-            </a:r>
-          </a:p>
-          <a:p>
-            <a:r>
-              <a:rPr lang="ru-RU" dirty="0" smtClean="0"/>
-              <a:t>Использование полученных результатов в классификации на произвольные категории</a:t>
-            </a:r>
-          </a:p>
-          <a:p>
-            <a:endParaRPr lang="en-US" dirty="0"/>
+              <a:rPr lang="ru-RU" dirty="0" smtClean="0"/>
+              <a:t>граф категорий</a:t>
+            </a:r>
+          </a:p>
+          <a:p>
+            <a:pPr lvl="1"/>
+            <a:r>
+              <a:rPr lang="ru-RU" dirty="0" smtClean="0"/>
+              <a:t>данные о перенаправлениях</a:t>
+            </a:r>
+          </a:p>
+          <a:p>
+            <a:pPr lvl="1"/>
+            <a:r>
+              <a:rPr lang="ru-RU" dirty="0" smtClean="0"/>
+              <a:t>статистика слов</a:t>
+            </a:r>
+          </a:p>
+          <a:p>
+            <a:pPr lvl="1"/>
+            <a:r>
+              <a:rPr lang="ru-RU" dirty="0" smtClean="0"/>
+              <a:t>ссылочная статистика</a:t>
+            </a:r>
+          </a:p>
+          <a:p>
+            <a:r>
+              <a:rPr lang="ru-RU" dirty="0" smtClean="0"/>
+              <a:t>На основе этих данных написан простейший алгоритм оценки того насколько много пользователь пишет о программировании</a:t>
+            </a:r>
           </a:p>
         </p:txBody>
       </p:sp>
